--- a/Notebooks/figures/chap02/3/figure.pptx
+++ b/Notebooks/figures/chap02/3/figure.pptx
@@ -193,7 +193,7 @@
           <a:p>
             <a:fld id="{0757D877-CFDC-224B-A2EB-15AE1AD87FC4}" type="datetimeFigureOut">
               <a:rPr lang="en-US" smtClean="0"/>
-              <a:t>5/7/17</a:t>
+              <a:t>8/30/17</a:t>
             </a:fld>
             <a:endParaRPr lang="en-US"/>
           </a:p>
@@ -726,7 +726,7 @@
           <a:p>
             <a:fld id="{46B215DF-9304-D749-9E36-45FCEA760741}" type="datetimeFigureOut">
               <a:rPr lang="en-US" smtClean="0"/>
-              <a:t>5/7/17</a:t>
+              <a:t>8/30/17</a:t>
             </a:fld>
             <a:endParaRPr lang="en-US"/>
           </a:p>
@@ -896,7 +896,7 @@
           <a:p>
             <a:fld id="{46B215DF-9304-D749-9E36-45FCEA760741}" type="datetimeFigureOut">
               <a:rPr lang="en-US" smtClean="0"/>
-              <a:t>5/7/17</a:t>
+              <a:t>8/30/17</a:t>
             </a:fld>
             <a:endParaRPr lang="en-US"/>
           </a:p>
@@ -1076,7 +1076,7 @@
           <a:p>
             <a:fld id="{46B215DF-9304-D749-9E36-45FCEA760741}" type="datetimeFigureOut">
               <a:rPr lang="en-US" smtClean="0"/>
-              <a:t>5/7/17</a:t>
+              <a:t>8/30/17</a:t>
             </a:fld>
             <a:endParaRPr lang="en-US"/>
           </a:p>
@@ -5504,7 +5504,7 @@
           <a:p>
             <a:fld id="{46B215DF-9304-D749-9E36-45FCEA760741}" type="datetimeFigureOut">
               <a:rPr lang="en-US" smtClean="0"/>
-              <a:t>5/7/17</a:t>
+              <a:t>8/30/17</a:t>
             </a:fld>
             <a:endParaRPr lang="en-US"/>
           </a:p>
@@ -6428,7 +6428,7 @@
           <a:p>
             <a:fld id="{46B215DF-9304-D749-9E36-45FCEA760741}" type="datetimeFigureOut">
               <a:rPr lang="en-US" smtClean="0"/>
-              <a:t>5/7/17</a:t>
+              <a:t>8/30/17</a:t>
             </a:fld>
             <a:endParaRPr lang="en-US"/>
           </a:p>
@@ -6716,7 +6716,7 @@
           <a:p>
             <a:fld id="{46B215DF-9304-D749-9E36-45FCEA760741}" type="datetimeFigureOut">
               <a:rPr lang="en-US" smtClean="0"/>
-              <a:t>5/7/17</a:t>
+              <a:t>8/30/17</a:t>
             </a:fld>
             <a:endParaRPr lang="en-US"/>
           </a:p>
@@ -7138,7 +7138,7 @@
           <a:p>
             <a:fld id="{46B215DF-9304-D749-9E36-45FCEA760741}" type="datetimeFigureOut">
               <a:rPr lang="en-US" smtClean="0"/>
-              <a:t>5/7/17</a:t>
+              <a:t>8/30/17</a:t>
             </a:fld>
             <a:endParaRPr lang="en-US"/>
           </a:p>
@@ -7256,7 +7256,7 @@
           <a:p>
             <a:fld id="{46B215DF-9304-D749-9E36-45FCEA760741}" type="datetimeFigureOut">
               <a:rPr lang="en-US" smtClean="0"/>
-              <a:t>5/7/17</a:t>
+              <a:t>8/30/17</a:t>
             </a:fld>
             <a:endParaRPr lang="en-US"/>
           </a:p>
@@ -7351,7 +7351,7 @@
           <a:p>
             <a:fld id="{46B215DF-9304-D749-9E36-45FCEA760741}" type="datetimeFigureOut">
               <a:rPr lang="en-US" smtClean="0"/>
-              <a:t>5/7/17</a:t>
+              <a:t>8/30/17</a:t>
             </a:fld>
             <a:endParaRPr lang="en-US"/>
           </a:p>
@@ -7628,7 +7628,7 @@
           <a:p>
             <a:fld id="{46B215DF-9304-D749-9E36-45FCEA760741}" type="datetimeFigureOut">
               <a:rPr lang="en-US" smtClean="0"/>
-              <a:t>5/7/17</a:t>
+              <a:t>8/30/17</a:t>
             </a:fld>
             <a:endParaRPr lang="en-US"/>
           </a:p>
@@ -7885,7 +7885,7 @@
           <a:p>
             <a:fld id="{46B215DF-9304-D749-9E36-45FCEA760741}" type="datetimeFigureOut">
               <a:rPr lang="en-US" smtClean="0"/>
-              <a:t>5/7/17</a:t>
+              <a:t>8/30/17</a:t>
             </a:fld>
             <a:endParaRPr lang="en-US"/>
           </a:p>
@@ -8098,7 +8098,7 @@
           <a:p>
             <a:fld id="{46B215DF-9304-D749-9E36-45FCEA760741}" type="datetimeFigureOut">
               <a:rPr lang="en-US" smtClean="0"/>
-              <a:t>5/7/17</a:t>
+              <a:t>8/30/17</a:t>
             </a:fld>
             <a:endParaRPr lang="en-US"/>
           </a:p>
@@ -11677,7 +11677,7 @@
         <p:spPr>
           <a:xfrm>
             <a:off x="4356103" y="1751188"/>
-            <a:ext cx="1028985" cy="369332"/>
+            <a:ext cx="686068" cy="369332"/>
           </a:xfrm>
           <a:prstGeom prst="rect">
             <a:avLst/>
@@ -11695,14 +11695,7 @@
                 <a:latin typeface="Times"/>
                 <a:cs typeface="Times"/>
               </a:rPr>
-              <a:t>s</a:t>
-            </a:r>
-            <a:r>
-              <a:rPr lang="en-US" i="1" dirty="0" err="1" smtClean="0">
-                <a:latin typeface="Times"/>
-                <a:cs typeface="Times"/>
-              </a:rPr>
-              <a:t>tmt_list</a:t>
+              <a:t>prog</a:t>
             </a:r>
             <a:endParaRPr lang="en-US" i="1" dirty="0">
               <a:latin typeface="Times"/>
@@ -11738,14 +11731,7 @@
                 <a:latin typeface="Times"/>
                 <a:cs typeface="Times"/>
               </a:rPr>
-              <a:t>s</a:t>
-            </a:r>
-            <a:r>
-              <a:rPr lang="en-US" i="1" dirty="0" err="1" smtClean="0">
-                <a:latin typeface="Times"/>
-                <a:cs typeface="Times"/>
-              </a:rPr>
-              <a:t>tmt</a:t>
+              <a:t>stmt</a:t>
             </a:r>
             <a:r>
               <a:rPr lang="en-US" i="1" dirty="0" smtClean="0">
@@ -11770,7 +11756,7 @@
         <p:spPr>
           <a:xfrm>
             <a:off x="5679552" y="2418493"/>
-            <a:ext cx="1028985" cy="369332"/>
+            <a:ext cx="686068" cy="369332"/>
           </a:xfrm>
           <a:prstGeom prst="rect">
             <a:avLst/>
@@ -11788,14 +11774,7 @@
                 <a:latin typeface="Times"/>
                 <a:cs typeface="Times"/>
               </a:rPr>
-              <a:t>s</a:t>
-            </a:r>
-            <a:r>
-              <a:rPr lang="en-US" i="1" dirty="0" err="1" smtClean="0">
-                <a:latin typeface="Times"/>
-                <a:cs typeface="Times"/>
-              </a:rPr>
-              <a:t>tmt_list</a:t>
+              <a:t>prog</a:t>
             </a:r>
             <a:endParaRPr lang="en-US" i="1" dirty="0">
               <a:latin typeface="Times"/>
@@ -11927,7 +11906,7 @@
         <p:spPr>
           <a:xfrm flipH="1">
             <a:off x="3390484" y="2120520"/>
-            <a:ext cx="1480112" cy="236599"/>
+            <a:ext cx="1308653" cy="236599"/>
           </a:xfrm>
           <a:prstGeom prst="line">
             <a:avLst/>
@@ -11959,7 +11938,7 @@
         </p:nvCxnSpPr>
         <p:spPr>
           <a:xfrm>
-            <a:off x="4870596" y="2120520"/>
+            <a:off x="4699137" y="2120520"/>
             <a:ext cx="1323449" cy="297973"/>
           </a:xfrm>
           <a:prstGeom prst="line">
@@ -12591,7 +12570,7 @@
         </p:nvSpPr>
         <p:spPr>
           <a:xfrm>
-            <a:off x="5956914" y="3218632"/>
+            <a:off x="5817214" y="3218632"/>
             <a:ext cx="461710" cy="369332"/>
           </a:xfrm>
           <a:prstGeom prst="rect">
@@ -12629,85 +12608,9 @@
           <p:nvPr/>
         </p:nvCxnSpPr>
         <p:spPr>
-          <a:xfrm flipH="1">
-            <a:off x="6187769" y="2787825"/>
-            <a:ext cx="6276" cy="430807"/>
-          </a:xfrm>
-          <a:prstGeom prst="line">
-            <a:avLst/>
-          </a:prstGeom>
-        </p:spPr>
-        <p:style>
-          <a:lnRef idx="2">
-            <a:schemeClr val="accent1"/>
-          </a:lnRef>
-          <a:fillRef idx="0">
-            <a:schemeClr val="accent1"/>
-          </a:fillRef>
-          <a:effectRef idx="1">
-            <a:schemeClr val="accent1"/>
-          </a:effectRef>
-          <a:fontRef idx="minor">
-            <a:schemeClr val="tx1"/>
-          </a:fontRef>
-        </p:style>
-      </p:cxnSp>
-      <p:sp>
-        <p:nvSpPr>
-          <p:cNvPr id="29" name="TextBox 28"/>
-          <p:cNvSpPr txBox="1"/>
-          <p:nvPr/>
-        </p:nvSpPr>
-        <p:spPr>
           <a:xfrm>
-            <a:off x="4533325" y="951088"/>
-            <a:ext cx="686068" cy="369332"/>
-          </a:xfrm>
-          <a:prstGeom prst="rect">
-            <a:avLst/>
-          </a:prstGeom>
-          <a:noFill/>
-        </p:spPr>
-        <p:txBody>
-          <a:bodyPr wrap="none" rtlCol="0">
-            <a:spAutoFit/>
-          </a:bodyPr>
-          <a:lstStyle/>
-          <a:p>
-            <a:r>
-              <a:rPr lang="en-US" i="1" dirty="0" err="1" smtClean="0">
-                <a:latin typeface="Times"/>
-                <a:cs typeface="Times"/>
-              </a:rPr>
-              <a:t>p</a:t>
-            </a:r>
-            <a:r>
-              <a:rPr lang="en-US" i="1" dirty="0" err="1" smtClean="0">
-                <a:latin typeface="Times"/>
-                <a:cs typeface="Times"/>
-              </a:rPr>
-              <a:t>rog</a:t>
-            </a:r>
-            <a:endParaRPr lang="en-US" i="1" dirty="0">
-              <a:latin typeface="Times"/>
-              <a:cs typeface="Times"/>
-            </a:endParaRPr>
-          </a:p>
-        </p:txBody>
-      </p:sp>
-      <p:cxnSp>
-        <p:nvCxnSpPr>
-          <p:cNvPr id="3" name="Straight Connector 2"/>
-          <p:cNvCxnSpPr>
-            <a:stCxn id="29" idx="2"/>
-            <a:endCxn id="6" idx="0"/>
-          </p:cNvCxnSpPr>
-          <p:nvPr/>
-        </p:nvCxnSpPr>
-        <p:spPr>
-          <a:xfrm flipH="1">
-            <a:off x="4870596" y="1320420"/>
-            <a:ext cx="5763" cy="430768"/>
+            <a:off x="6022586" y="2787825"/>
+            <a:ext cx="25483" cy="430807"/>
           </a:xfrm>
           <a:prstGeom prst="line">
             <a:avLst/>
